--- a/Klassifikation und Clustering3.pptx
+++ b/Klassifikation und Clustering3.pptx
@@ -218,7 +218,7 @@
           <a:p>
             <a:fld id="{CA596B86-7F04-41CD-8F0F-DCFEA733C39E}" type="datetimeFigureOut">
               <a:rPr lang="en-GB" smtClean="0"/>
-              <a:t>07/02/2017</a:t>
+              <a:t>11/02/2017</a:t>
             </a:fld>
             <a:endParaRPr lang="en-GB"/>
           </a:p>
@@ -6428,34 +6428,12 @@
           <a:lstStyle/>
           <a:p>
             <a:r>
+              <a:rPr lang="de-DE" dirty="0" smtClean="0"/>
+              <a:t>Ablauf</a:t>
+            </a:r>
+            <a:r>
               <a:rPr lang="de-DE" dirty="0"/>
-              <a:t>Partitionierungsalgorithmus</a:t>
-            </a:r>
-          </a:p>
-          <a:p>
-            <a:r>
-              <a:rPr lang="de-DE" dirty="0"/>
-              <a:t>Reduktion der Dimensionalität durch Projektion. Mapping von multidimensionalen Daten auf </a:t>
-            </a:r>
-            <a:r>
-              <a:rPr lang="de-DE" dirty="0" err="1"/>
-              <a:t>z.B</a:t>
-            </a:r>
-            <a:r>
-              <a:rPr lang="de-DE" dirty="0"/>
-              <a:t> 2D-Gitter verbunden mit einer Parameterreduktion</a:t>
-            </a:r>
-          </a:p>
-          <a:p>
-            <a:r>
-              <a:rPr lang="de-DE" dirty="0"/>
-              <a:t>Ist ein selbstlernender Algorithmus</a:t>
-            </a:r>
-          </a:p>
-          <a:p>
-            <a:r>
-              <a:rPr lang="de-DE" dirty="0"/>
-              <a:t>Ablauf:</a:t>
+              <a:t>:</a:t>
             </a:r>
             <a:endParaRPr lang="de-AT" dirty="0"/>
           </a:p>
@@ -6470,15 +6448,7 @@
             <a:pPr lvl="1"/>
             <a:r>
               <a:rPr lang="de-AT" dirty="0"/>
-              <a:t>k-dimensionale Vektoren werden initialisiert, durch zufällige Wahl von Objekten </a:t>
-            </a:r>
-            <a:r>
-              <a:rPr lang="de-AT"/>
-              <a:t>bzw. vollständig </a:t>
-            </a:r>
-            <a:r>
-              <a:rPr lang="de-AT" dirty="0"/>
-              <a:t>zufällig  </a:t>
+              <a:t>k-dimensionale Vektoren werden initialisiert, durch zufällige Wahl von Objekten bzw. vollständig zufällig  </a:t>
             </a:r>
           </a:p>
           <a:p>
@@ -6701,8 +6671,12 @@
           <a:p>
             <a:pPr lvl="1"/>
             <a:r>
-              <a:rPr lang="de-DE" dirty="0"/>
-              <a:t>Reduktion der Dimensionalität</a:t>
+              <a:rPr lang="de-DE" dirty="0" smtClean="0"/>
+              <a:t>U.a. Dokumentenverwaltung</a:t>
+            </a:r>
+            <a:r>
+              <a:rPr lang="de-DE" smtClean="0"/>
+              <a:t>, Texterkennung</a:t>
             </a:r>
             <a:endParaRPr lang="de-AT" dirty="0"/>
           </a:p>
@@ -7482,8 +7456,8 @@
           </a:p>
         </p:txBody>
       </p:sp>
-      <mc:AlternateContent xmlns:mc="http://schemas.openxmlformats.org/markup-compatibility/2006">
-        <mc:Choice xmlns:a14="http://schemas.microsoft.com/office/drawing/2010/main" Requires="a14">
+      <mc:AlternateContent xmlns:mc="http://schemas.openxmlformats.org/markup-compatibility/2006" xmlns:a14="http://schemas.microsoft.com/office/drawing/2010/main">
+        <mc:Choice Requires="a14">
           <p:sp>
             <p:nvSpPr>
               <p:cNvPr id="3" name="Inhaltsplatzhalter 2"/>
@@ -7737,7 +7711,7 @@
             </p:txBody>
           </p:sp>
         </mc:Choice>
-        <mc:Fallback>
+        <mc:Fallback xmlns="">
           <p:sp>
             <p:nvSpPr>
               <p:cNvPr id="3" name="Inhaltsplatzhalter 2"/>
@@ -8089,43 +8063,47 @@
           <a:lstStyle/>
           <a:p>
             <a:r>
-              <a:rPr lang="de-AT" dirty="0"/>
+              <a:rPr lang="de-AT" dirty="0" smtClean="0"/>
               <a:t>Klassifikation anhand von (binären) Baumstrukturen </a:t>
             </a:r>
           </a:p>
           <a:p>
             <a:r>
+              <a:rPr lang="de-DE" dirty="0" smtClean="0"/>
+              <a:t>Die Daten werden mithilfe von Tests aufgeteilt (</a:t>
+            </a:r>
+            <a:r>
+              <a:rPr lang="de-DE" dirty="0" err="1" smtClean="0"/>
+              <a:t>gain</a:t>
+            </a:r>
+            <a:r>
+              <a:rPr lang="de-DE" dirty="0" smtClean="0"/>
+              <a:t> </a:t>
+            </a:r>
+            <a:r>
+              <a:rPr lang="de-DE" dirty="0" err="1" smtClean="0"/>
+              <a:t>ratio</a:t>
+            </a:r>
+            <a:r>
+              <a:rPr lang="de-DE" dirty="0" smtClean="0"/>
+              <a:t>)</a:t>
+            </a:r>
+          </a:p>
+          <a:p>
+            <a:r>
+              <a:rPr lang="de-DE" dirty="0" smtClean="0"/>
+              <a:t>Die Entscheidungsbäume stellen eine Sammlung von Regeln dar</a:t>
+            </a:r>
+            <a:endParaRPr lang="de-AT" dirty="0" smtClean="0"/>
+          </a:p>
+          <a:p>
+            <a:r>
+              <a:rPr lang="de-DE" dirty="0" smtClean="0"/>
+              <a:t>Ablauf</a:t>
+            </a:r>
+            <a:r>
               <a:rPr lang="de-DE" dirty="0"/>
-              <a:t>Die Daten werden mithilfe von Tests aufgeteilt (</a:t>
-            </a:r>
-            <a:r>
-              <a:rPr lang="de-DE" dirty="0" err="1"/>
-              <a:t>gain</a:t>
-            </a:r>
-            <a:r>
-              <a:rPr lang="de-DE" dirty="0"/>
-              <a:t> </a:t>
-            </a:r>
-            <a:r>
-              <a:rPr lang="de-DE" dirty="0" err="1"/>
-              <a:t>ratio</a:t>
-            </a:r>
-            <a:r>
-              <a:rPr lang="de-DE" dirty="0"/>
-              <a:t>)</a:t>
-            </a:r>
-          </a:p>
-          <a:p>
-            <a:r>
-              <a:rPr lang="de-DE" dirty="0"/>
-              <a:t>Die Entscheidungsbäume stellen eine Sammlung von Regeln dar</a:t>
-            </a:r>
-            <a:endParaRPr lang="de-AT" dirty="0"/>
-          </a:p>
-          <a:p>
-            <a:r>
-              <a:rPr lang="de-DE" dirty="0"/>
-              <a:t>Ablauf:</a:t>
+              <a:t>:</a:t>
             </a:r>
           </a:p>
           <a:p>
@@ -8572,14 +8550,18 @@
           <a:lstStyle/>
           <a:p>
             <a:r>
-              <a:rPr lang="de-AT" dirty="0"/>
+              <a:rPr lang="de-AT" dirty="0" smtClean="0"/>
               <a:t>Objekte werden anhand nähe liegenden Trainingsobjekten einer Klasse zugeordnet</a:t>
             </a:r>
           </a:p>
           <a:p>
             <a:r>
-              <a:rPr lang="de-AT" dirty="0"/>
-              <a:t>2 Arten:</a:t>
+              <a:rPr lang="de-AT" dirty="0" smtClean="0"/>
+              <a:t>2 </a:t>
+            </a:r>
+            <a:r>
+              <a:rPr lang="de-AT" dirty="0"/>
+              <a:t>Arten:</a:t>
             </a:r>
           </a:p>
           <a:p>
@@ -9527,7 +9509,7 @@
           <p:nvPr/>
         </p:nvPicPr>
         <p:blipFill>
-          <a:blip r:embed="rId3">
+          <a:blip r:embed="rId3" cstate="print">
             <a:extLst>
               <a:ext uri="{28A0092B-C50C-407E-A947-70E740481C1C}">
                 <a14:useLocalDpi xmlns:a14="http://schemas.microsoft.com/office/drawing/2010/main" val="0"/>
@@ -9557,7 +9539,7 @@
           <p:nvPr/>
         </p:nvPicPr>
         <p:blipFill>
-          <a:blip r:embed="rId4">
+          <a:blip r:embed="rId4" cstate="print">
             <a:extLst>
               <a:ext uri="{28A0092B-C50C-407E-A947-70E740481C1C}">
                 <a14:useLocalDpi xmlns:a14="http://schemas.microsoft.com/office/drawing/2010/main" val="0"/>
@@ -9978,8 +9960,13 @@
             <a:pPr lvl="1"/>
             <a:r>
               <a:rPr lang="de-DE" dirty="0"/>
-              <a:t>z.B. Finanzwesen, Bioinformatik, Data Mining</a:t>
-            </a:r>
+              <a:t>z.B. Finanzwesen, Bioinformatik, Data </a:t>
+            </a:r>
+            <a:r>
+              <a:rPr lang="de-DE" dirty="0" smtClean="0"/>
+              <a:t>Mining, Spracherkennung</a:t>
+            </a:r>
+            <a:endParaRPr lang="de-DE" dirty="0"/>
           </a:p>
           <a:p>
             <a:pPr marL="0" indent="0">
@@ -10549,8 +10536,8 @@
           <a:p>
             <a:pPr lvl="1"/>
             <a:r>
-              <a:rPr lang="de-DE" dirty="0"/>
-              <a:t>Hierarchische Daten</a:t>
+              <a:rPr lang="de-DE" dirty="0" smtClean="0"/>
+              <a:t>U.a. biochemische Strukturen</a:t>
             </a:r>
             <a:endParaRPr lang="de-AT" dirty="0"/>
           </a:p>

--- a/Klassifikation und Clustering3.pptx
+++ b/Klassifikation und Clustering3.pptx
@@ -218,7 +218,7 @@
           <a:p>
             <a:fld id="{CA596B86-7F04-41CD-8F0F-DCFEA733C39E}" type="datetimeFigureOut">
               <a:rPr lang="en-GB" smtClean="0"/>
-              <a:t>07/02/2017</a:t>
+              <a:t>08/02/2017</a:t>
             </a:fld>
             <a:endParaRPr lang="en-GB"/>
           </a:p>
@@ -7507,8 +7507,19 @@
               <a:lstStyle/>
               <a:p>
                 <a:r>
+                  <a:rPr lang="de-AT" dirty="0" smtClean="0"/>
+                  <a:t>Wahrscheinlichkeitsalgorithmus</a:t>
+                </a:r>
+                <a:endParaRPr lang="de-AT" dirty="0" smtClean="0"/>
+              </a:p>
+              <a:p>
+                <a:r>
+                  <a:rPr lang="de-AT" dirty="0" smtClean="0"/>
+                  <a:t>Hier </a:t>
+                </a:r>
+                <a:r>
                   <a:rPr lang="de-AT" dirty="0"/>
-                  <a:t>Hier wird der naiver </a:t>
+                  <a:t>wird der naiver </a:t>
                 </a:r>
                 <a:r>
                   <a:rPr lang="de-AT" dirty="0" err="1"/>
@@ -7586,7 +7597,7 @@
                       <m:fPr>
                         <m:ctrlPr>
                           <a:rPr lang="de-AT" i="1">
-                            <a:latin typeface="Cambria Math" panose="02040503050406030204" pitchFamily="18" charset="0"/>
+                            <a:latin typeface="Cambria Math" charset="0"/>
                           </a:rPr>
                         </m:ctrlPr>
                       </m:fPr>
@@ -7753,10 +7764,10 @@
                 <a:off x="677334" y="1329601"/>
                 <a:ext cx="8596668" cy="4724462"/>
               </a:xfrm>
-              <a:blipFill>
+              <a:blipFill rotWithShape="0">
                 <a:blip r:embed="rId2"/>
                 <a:stretch>
-                  <a:fillRect l="-142" t="-774"/>
+                  <a:fillRect l="-142" t="-774" b="-6968"/>
                 </a:stretch>
               </a:blipFill>
             </p:spPr>
@@ -7765,7 +7776,7 @@
               <a:lstStyle/>
               <a:p>
                 <a:r>
-                  <a:rPr lang="de-AT">
+                  <a:rPr lang="de-DE">
                     <a:noFill/>
                   </a:rPr>
                   <a:t> </a:t>
@@ -8089,8 +8100,18 @@
           <a:lstStyle/>
           <a:p>
             <a:r>
-              <a:rPr lang="de-AT" dirty="0"/>
-              <a:t>Klassifikation anhand von (binären) Baumstrukturen </a:t>
+              <a:rPr lang="de-AT" dirty="0" smtClean="0"/>
+              <a:t>Hierarchischer Algorithmus</a:t>
+            </a:r>
+          </a:p>
+          <a:p>
+            <a:r>
+              <a:rPr lang="de-AT" dirty="0" smtClean="0"/>
+              <a:t>Klassifikation </a:t>
+            </a:r>
+            <a:r>
+              <a:rPr lang="de-AT" dirty="0"/>
+              <a:t>anhand von (binären) Baumstrukturen </a:t>
             </a:r>
           </a:p>
           <a:p>
@@ -8390,9 +8411,10 @@
           <a:p>
             <a:pPr lvl="1"/>
             <a:r>
-              <a:rPr lang="de-DE" dirty="0"/>
-              <a:t>Liefert … Ergebnisse</a:t>
-            </a:r>
+              <a:rPr lang="de-DE" dirty="0" smtClean="0"/>
+              <a:t>Liefert rasch Ergebnisse</a:t>
+            </a:r>
+            <a:endParaRPr lang="de-DE" dirty="0"/>
           </a:p>
           <a:p>
             <a:r>
@@ -8572,8 +8594,18 @@
           <a:lstStyle/>
           <a:p>
             <a:r>
-              <a:rPr lang="de-AT" dirty="0"/>
-              <a:t>Objekte werden anhand nähe liegenden Trainingsobjekten einer Klasse zugeordnet</a:t>
+              <a:rPr lang="de-AT" smtClean="0"/>
+              <a:t>Abstandsbasierter Algorithmus</a:t>
+            </a:r>
+          </a:p>
+          <a:p>
+            <a:r>
+              <a:rPr lang="de-AT" dirty="0" smtClean="0"/>
+              <a:t>Objekte </a:t>
+            </a:r>
+            <a:r>
+              <a:rPr lang="de-AT" dirty="0"/>
+              <a:t>werden anhand nähe liegenden Trainingsobjekten einer Klasse zugeordnet</a:t>
             </a:r>
           </a:p>
           <a:p>
